--- a/documents/report/CSCI5253-Final-Presentation.pptx
+++ b/documents/report/CSCI5253-Final-Presentation.pptx
@@ -5,7 +5,7 @@
     <p:sldMasterId id="2147483658" r:id="rId1"/>
   </p:sldMasterIdLst>
   <p:notesMasterIdLst>
-    <p:notesMasterId r:id="rId17"/>
+    <p:notesMasterId r:id="rId18"/>
   </p:notesMasterIdLst>
   <p:sldIdLst>
     <p:sldId id="325" r:id="rId2"/>
@@ -22,7 +22,8 @@
     <p:sldId id="332" r:id="rId13"/>
     <p:sldId id="333" r:id="rId14"/>
     <p:sldId id="343" r:id="rId15"/>
-    <p:sldId id="336" r:id="rId16"/>
+    <p:sldId id="345" r:id="rId16"/>
+    <p:sldId id="336" r:id="rId17"/>
   </p:sldIdLst>
   <p:sldSz cx="9144000" cy="5143500" type="screen16x9"/>
   <p:notesSz cx="6858000" cy="9144000"/>
@@ -222,7 +223,7 @@
           <a:p>
             <a:fld id="{4FA1D489-64CB-4BEC-9009-DF1049EEC295}" type="datetimeFigureOut">
               <a:rPr lang="en-US" smtClean="0"/>
-              <a:t>12/5/2022</a:t>
+              <a:t>12/8/2022</a:t>
             </a:fld>
             <a:endParaRPr lang="en-US"/>
           </a:p>
@@ -535,7 +536,7 @@
           <a:p>
             <a:r>
               <a:rPr lang="en-US" dirty="0"/>
-              <a:t>Hi, this is Sitong presenting the final presentation of the group project.</a:t>
+              <a:t>Hi, this is Sitong presenting the final presentation for the final project.</a:t>
             </a:r>
           </a:p>
         </p:txBody>
@@ -783,7 +784,7 @@
             </a:r>
             <a:r>
               <a:rPr lang="en-US" dirty="0"/>
-              <a:t> at this stage. If the user want, worker can also let pandas kicks in at this stage and generate the corresponding diagram and add it to </a:t>
+              <a:t> at this stage. If the user want, worker can also let pandas kicks in at this stage, generate the corresponding diagram and add it to </a:t>
             </a:r>
             <a:r>
               <a:rPr lang="en-US" dirty="0" err="1"/>
@@ -1032,11 +1033,7 @@
           <a:p>
             <a:r>
               <a:rPr lang="en-US" dirty="0"/>
-              <a:t>So what I have I learnt from this project? Well, I will show you the demo of the project while explaining this at the </a:t>
-            </a:r>
-            <a:r>
-              <a:rPr lang="en-US"/>
-              <a:t>same time.</a:t>
+              <a:t>So what I have I learnt from this project? Well, I learnt that the existence of MySQL database’s default transaction isolation system, cause it will block you from accessing and editing it from multiple programs at the same time. Of course there must be a way to edit this setting but since we are playing the Database with a bunch of python programs, letting only the worker node to communicate with the database without causing any isolation trouble is the best and easiest way to do.</a:t>
             </a:r>
           </a:p>
         </p:txBody>
@@ -1068,6 +1065,93 @@
     <p:extLst>
       <p:ext uri="{BB962C8B-B14F-4D97-AF65-F5344CB8AC3E}">
         <p14:creationId xmlns:p14="http://schemas.microsoft.com/office/powerpoint/2010/main" val="773663285"/>
+      </p:ext>
+    </p:extLst>
+  </p:cSld>
+  <p:clrMapOvr>
+    <a:masterClrMapping/>
+  </p:clrMapOvr>
+</p:notes>
+</file>
+
+<file path=ppt/notesSlides/notesSlide14.xml><?xml version="1.0" encoding="utf-8"?>
+<p:notes xmlns:a="http://schemas.openxmlformats.org/drawingml/2006/main" xmlns:r="http://schemas.openxmlformats.org/officeDocument/2006/relationships" xmlns:p="http://schemas.openxmlformats.org/presentationml/2006/main">
+  <p:cSld>
+    <p:spTree>
+      <p:nvGrpSpPr>
+        <p:cNvPr id="1" name=""/>
+        <p:cNvGrpSpPr/>
+        <p:nvPr/>
+      </p:nvGrpSpPr>
+      <p:grpSpPr>
+        <a:xfrm>
+          <a:off x="0" y="0"/>
+          <a:ext cx="0" cy="0"/>
+          <a:chOff x="0" y="0"/>
+          <a:chExt cx="0" cy="0"/>
+        </a:xfrm>
+      </p:grpSpPr>
+      <p:sp>
+        <p:nvSpPr>
+          <p:cNvPr id="2" name="Slide Image Placeholder 1"/>
+          <p:cNvSpPr>
+            <a:spLocks noGrp="1" noRot="1" noChangeAspect="1"/>
+          </p:cNvSpPr>
+          <p:nvPr>
+            <p:ph type="sldImg"/>
+          </p:nvPr>
+        </p:nvSpPr>
+        <p:spPr/>
+      </p:sp>
+      <p:sp>
+        <p:nvSpPr>
+          <p:cNvPr id="3" name="Notes Placeholder 2"/>
+          <p:cNvSpPr>
+            <a:spLocks noGrp="1"/>
+          </p:cNvSpPr>
+          <p:nvPr>
+            <p:ph type="body" idx="1"/>
+          </p:nvPr>
+        </p:nvSpPr>
+        <p:spPr/>
+        <p:txBody>
+          <a:bodyPr/>
+          <a:lstStyle/>
+          <a:p>
+            <a:r>
+              <a:rPr lang="en-US" dirty="0"/>
+              <a:t>So now I am going to show you the demo of my project</a:t>
+            </a:r>
+          </a:p>
+        </p:txBody>
+      </p:sp>
+      <p:sp>
+        <p:nvSpPr>
+          <p:cNvPr id="4" name="Slide Number Placeholder 3"/>
+          <p:cNvSpPr>
+            <a:spLocks noGrp="1"/>
+          </p:cNvSpPr>
+          <p:nvPr>
+            <p:ph type="sldNum" sz="quarter" idx="5"/>
+          </p:nvPr>
+        </p:nvSpPr>
+        <p:spPr/>
+        <p:txBody>
+          <a:bodyPr/>
+          <a:lstStyle/>
+          <a:p>
+            <a:fld id="{0CBCAA37-5393-441C-B54C-F75E3C58BE2D}" type="slidenum">
+              <a:rPr lang="en-US" smtClean="0"/>
+              <a:t>15</a:t>
+            </a:fld>
+            <a:endParaRPr lang="en-US"/>
+          </a:p>
+        </p:txBody>
+      </p:sp>
+    </p:spTree>
+    <p:extLst>
+      <p:ext uri="{BB962C8B-B14F-4D97-AF65-F5344CB8AC3E}">
+        <p14:creationId xmlns:p14="http://schemas.microsoft.com/office/powerpoint/2010/main" val="361590063"/>
       </p:ext>
     </p:extLst>
   </p:cSld>
@@ -1123,7 +1207,7 @@
           <a:p>
             <a:r>
               <a:rPr lang="en-US" dirty="0"/>
-              <a:t>So first at all lets start from something might just in your pocket right now – the shopping receipt. There are lots of type of information in it and I think we can sort them out in a more efficient and easy-to-review style.</a:t>
+              <a:t>So first at all lets start from something that might just be in your pocket right now – the shopping receipt. There are lots of type of information in it and I think we can sort them out in a more efficient and easy-to-review style.</a:t>
             </a:r>
           </a:p>
         </p:txBody>
@@ -1313,15 +1397,7 @@
           <a:p>
             <a:r>
               <a:rPr lang="en-US" dirty="0"/>
-              <a:t>As for the components, I re-constructed most of them based on the </a:t>
-            </a:r>
-            <a:r>
-              <a:rPr lang="en-US" dirty="0" err="1"/>
-              <a:t>stucture</a:t>
-            </a:r>
-            <a:r>
-              <a:rPr lang="en-US" dirty="0"/>
-              <a:t> built for lab7, including Kubernetes cluster for hosting this remote and individual space for the project, rest services, for user interaction, REDIS, as usual, for storing the temporally data generated by rest server and worker node, but also for acting as a host of the message queue this time. I replaced </a:t>
+              <a:t>As for the components, I re-constructed most of them based on the structure built for lab7, including Kubernetes cluster for hosting this remote and individual space for the project, rest services, for user interaction, REDIS, as usual, for storing the temporally data generated by rest server and worker node, but also for acting as a host of the message queue this time. I replaced </a:t>
             </a:r>
             <a:r>
               <a:rPr lang="en-US" dirty="0" err="1"/>
@@ -1432,7 +1508,7 @@
           <a:p>
             <a:r>
               <a:rPr lang="en-US" dirty="0"/>
-              <a:t>And here’s the diagram showing the architecture of the project. Now I will explain in details how these components work together to finish the job.</a:t>
+              <a:t>And here’s the diagram showing the architecture of the project. Now I will explain it in detail how these components work together to finish the job.</a:t>
             </a:r>
           </a:p>
         </p:txBody>
@@ -10058,8 +10134,13 @@
           <a:p>
             <a:r>
               <a:rPr lang="en-US" dirty="0"/>
-              <a:t> Pic used in slide 3 &amp; 9:  </a:t>
-            </a:r>
+              <a:t> Pic used in slide 3 </a:t>
+            </a:r>
+            <a:r>
+              <a:rPr lang="en-US"/>
+              <a:t>&amp; 10:  </a:t>
+            </a:r>
+            <a:endParaRPr lang="en-US" dirty="0"/>
           </a:p>
           <a:p>
             <a:pPr marL="0" indent="0">
@@ -10093,6 +10174,89 @@
 </file>
 
 <file path=ppt/slides/slide15.xml><?xml version="1.0" encoding="utf-8"?>
+<p:sld xmlns:a="http://schemas.openxmlformats.org/drawingml/2006/main" xmlns:r="http://schemas.openxmlformats.org/officeDocument/2006/relationships" xmlns:p="http://schemas.openxmlformats.org/presentationml/2006/main">
+  <p:cSld>
+    <p:spTree>
+      <p:nvGrpSpPr>
+        <p:cNvPr id="1" name=""/>
+        <p:cNvGrpSpPr/>
+        <p:nvPr/>
+      </p:nvGrpSpPr>
+      <p:grpSpPr>
+        <a:xfrm>
+          <a:off x="0" y="0"/>
+          <a:ext cx="0" cy="0"/>
+          <a:chOff x="0" y="0"/>
+          <a:chExt cx="0" cy="0"/>
+        </a:xfrm>
+      </p:grpSpPr>
+      <p:sp>
+        <p:nvSpPr>
+          <p:cNvPr id="2" name="Title 1">
+            <a:extLst>
+              <a:ext uri="{FF2B5EF4-FFF2-40B4-BE49-F238E27FC236}">
+                <a16:creationId xmlns:a16="http://schemas.microsoft.com/office/drawing/2014/main" id="{38D67D59-F7C2-E262-03D0-48677AC0BDD4}"/>
+              </a:ext>
+            </a:extLst>
+          </p:cNvPr>
+          <p:cNvSpPr>
+            <a:spLocks noGrp="1"/>
+          </p:cNvSpPr>
+          <p:nvPr>
+            <p:ph type="title"/>
+          </p:nvPr>
+        </p:nvSpPr>
+        <p:spPr/>
+        <p:txBody>
+          <a:bodyPr/>
+          <a:lstStyle/>
+          <a:p>
+            <a:r>
+              <a:rPr lang="en-US" dirty="0"/>
+              <a:t>Demo</a:t>
+            </a:r>
+          </a:p>
+        </p:txBody>
+      </p:sp>
+      <p:sp>
+        <p:nvSpPr>
+          <p:cNvPr id="3" name="Content Placeholder 2">
+            <a:extLst>
+              <a:ext uri="{FF2B5EF4-FFF2-40B4-BE49-F238E27FC236}">
+                <a16:creationId xmlns:a16="http://schemas.microsoft.com/office/drawing/2014/main" id="{240714B3-9A99-5CAD-E1C9-99973B616723}"/>
+              </a:ext>
+            </a:extLst>
+          </p:cNvPr>
+          <p:cNvSpPr>
+            <a:spLocks noGrp="1"/>
+          </p:cNvSpPr>
+          <p:nvPr>
+            <p:ph idx="1"/>
+          </p:nvPr>
+        </p:nvSpPr>
+        <p:spPr/>
+        <p:txBody>
+          <a:bodyPr/>
+          <a:lstStyle/>
+          <a:p>
+            <a:endParaRPr lang="en-US" dirty="0"/>
+          </a:p>
+        </p:txBody>
+      </p:sp>
+    </p:spTree>
+    <p:extLst>
+      <p:ext uri="{BB962C8B-B14F-4D97-AF65-F5344CB8AC3E}">
+        <p14:creationId xmlns:p14="http://schemas.microsoft.com/office/powerpoint/2010/main" val="2510831664"/>
+      </p:ext>
+    </p:extLst>
+  </p:cSld>
+  <p:clrMapOvr>
+    <a:masterClrMapping/>
+  </p:clrMapOvr>
+</p:sld>
+</file>
+
+<file path=ppt/slides/slide16.xml><?xml version="1.0" encoding="utf-8"?>
 <p:sld xmlns:a="http://schemas.openxmlformats.org/drawingml/2006/main" xmlns:r="http://schemas.openxmlformats.org/officeDocument/2006/relationships" xmlns:p="http://schemas.openxmlformats.org/presentationml/2006/main">
   <p:cSld>
     <p:spTree>

--- a/documents/report/CSCI5253-Final-Presentation.pptx
+++ b/documents/report/CSCI5253-Final-Presentation.pptx
@@ -1075,6 +1075,90 @@
 </file>
 
 <file path=ppt/notesSlides/notesSlide14.xml><?xml version="1.0" encoding="utf-8"?>
+<p:notes xmlns:a="http://schemas.openxmlformats.org/drawingml/2006/main" xmlns:r="http://schemas.openxmlformats.org/officeDocument/2006/relationships" xmlns:p="http://schemas.openxmlformats.org/presentationml/2006/main">
+  <p:cSld>
+    <p:spTree>
+      <p:nvGrpSpPr>
+        <p:cNvPr id="1" name=""/>
+        <p:cNvGrpSpPr/>
+        <p:nvPr/>
+      </p:nvGrpSpPr>
+      <p:grpSpPr>
+        <a:xfrm>
+          <a:off x="0" y="0"/>
+          <a:ext cx="0" cy="0"/>
+          <a:chOff x="0" y="0"/>
+          <a:chExt cx="0" cy="0"/>
+        </a:xfrm>
+      </p:grpSpPr>
+      <p:sp>
+        <p:nvSpPr>
+          <p:cNvPr id="2" name="Slide Image Placeholder 1"/>
+          <p:cNvSpPr>
+            <a:spLocks noGrp="1" noRot="1" noChangeAspect="1"/>
+          </p:cNvSpPr>
+          <p:nvPr>
+            <p:ph type="sldImg"/>
+          </p:nvPr>
+        </p:nvSpPr>
+        <p:spPr/>
+      </p:sp>
+      <p:sp>
+        <p:nvSpPr>
+          <p:cNvPr id="3" name="Notes Placeholder 2"/>
+          <p:cNvSpPr>
+            <a:spLocks noGrp="1"/>
+          </p:cNvSpPr>
+          <p:nvPr>
+            <p:ph type="body" idx="1"/>
+          </p:nvPr>
+        </p:nvSpPr>
+        <p:spPr/>
+        <p:txBody>
+          <a:bodyPr/>
+          <a:lstStyle/>
+          <a:p>
+            <a:endParaRPr lang="en-US" dirty="0"/>
+          </a:p>
+        </p:txBody>
+      </p:sp>
+      <p:sp>
+        <p:nvSpPr>
+          <p:cNvPr id="4" name="Slide Number Placeholder 3"/>
+          <p:cNvSpPr>
+            <a:spLocks noGrp="1"/>
+          </p:cNvSpPr>
+          <p:nvPr>
+            <p:ph type="sldNum" sz="quarter" idx="5"/>
+          </p:nvPr>
+        </p:nvSpPr>
+        <p:spPr/>
+        <p:txBody>
+          <a:bodyPr/>
+          <a:lstStyle/>
+          <a:p>
+            <a:fld id="{0CBCAA37-5393-441C-B54C-F75E3C58BE2D}" type="slidenum">
+              <a:rPr lang="en-US" smtClean="0"/>
+              <a:t>14</a:t>
+            </a:fld>
+            <a:endParaRPr lang="en-US"/>
+          </a:p>
+        </p:txBody>
+      </p:sp>
+    </p:spTree>
+    <p:extLst>
+      <p:ext uri="{BB962C8B-B14F-4D97-AF65-F5344CB8AC3E}">
+        <p14:creationId xmlns:p14="http://schemas.microsoft.com/office/powerpoint/2010/main" val="3117800749"/>
+      </p:ext>
+    </p:extLst>
+  </p:cSld>
+  <p:clrMapOvr>
+    <a:masterClrMapping/>
+  </p:clrMapOvr>
+</p:notes>
+</file>
+
+<file path=ppt/notesSlides/notesSlide15.xml><?xml version="1.0" encoding="utf-8"?>
 <p:notes xmlns:a="http://schemas.openxmlformats.org/drawingml/2006/main" xmlns:r="http://schemas.openxmlformats.org/officeDocument/2006/relationships" xmlns:p="http://schemas.openxmlformats.org/presentationml/2006/main">
   <p:cSld>
     <p:spTree>
@@ -10125,7 +10209,7 @@
             </a:r>
             <a:r>
               <a:rPr lang="en-US" sz="1400" dirty="0">
-                <a:hlinkClick r:id="rId2"/>
+                <a:hlinkClick r:id="rId3"/>
               </a:rPr>
               <a:t>Store receipt Images | Free Vectors, Stock Photos &amp; PSD (freepik.com)</a:t>
             </a:r>
@@ -10134,13 +10218,8 @@
           <a:p>
             <a:r>
               <a:rPr lang="en-US" dirty="0"/>
-              <a:t> Pic used in slide 3 </a:t>
-            </a:r>
-            <a:r>
-              <a:rPr lang="en-US"/>
-              <a:t>&amp; 10:  </a:t>
-            </a:r>
-            <a:endParaRPr lang="en-US" dirty="0"/>
+              <a:t> Pic used in slide 3 &amp; 10:  </a:t>
+            </a:r>
           </a:p>
           <a:p>
             <a:pPr marL="0" indent="0">
@@ -10152,7 +10231,7 @@
             </a:r>
             <a:r>
               <a:rPr lang="en-US" sz="1400" dirty="0">
-                <a:hlinkClick r:id="rId3"/>
+                <a:hlinkClick r:id="rId4"/>
               </a:rPr>
               <a:t>Chapter 2 Fundamental Concepts – Database Design – 2nd Edition (opentextbc.ca)</a:t>
             </a:r>
